--- a/supplements/tutorial/EasyModel_Tutorial.pptx
+++ b/supplements/tutorial/EasyModel_Tutorial.pptx
@@ -204,7 +204,7 @@
           <a:p>
             <a:fld id="{70B3FF5D-A208-4314-AC59-081436CA260C}" type="datetimeFigureOut">
               <a:rPr lang="en-US" smtClean="0"/>
-              <a:t>6/30/2024</a:t>
+              <a:t>7/6/2024</a:t>
             </a:fld>
             <a:endParaRPr lang="en-US"/>
           </a:p>
@@ -869,7 +869,7 @@
           <a:p>
             <a:fld id="{A753835E-33D4-45E3-925F-9A4DDE80A361}" type="datetimeFigureOut">
               <a:rPr lang="en-US" smtClean="0"/>
-              <a:t>6/30/2024</a:t>
+              <a:t>7/6/2024</a:t>
             </a:fld>
             <a:endParaRPr lang="en-US"/>
           </a:p>
@@ -1039,7 +1039,7 @@
           <a:p>
             <a:fld id="{A753835E-33D4-45E3-925F-9A4DDE80A361}" type="datetimeFigureOut">
               <a:rPr lang="en-US" smtClean="0"/>
-              <a:t>6/30/2024</a:t>
+              <a:t>7/6/2024</a:t>
             </a:fld>
             <a:endParaRPr lang="en-US"/>
           </a:p>
@@ -1219,7 +1219,7 @@
           <a:p>
             <a:fld id="{A753835E-33D4-45E3-925F-9A4DDE80A361}" type="datetimeFigureOut">
               <a:rPr lang="en-US" smtClean="0"/>
-              <a:t>6/30/2024</a:t>
+              <a:t>7/6/2024</a:t>
             </a:fld>
             <a:endParaRPr lang="en-US"/>
           </a:p>
@@ -1389,7 +1389,7 @@
           <a:p>
             <a:fld id="{A753835E-33D4-45E3-925F-9A4DDE80A361}" type="datetimeFigureOut">
               <a:rPr lang="en-US" smtClean="0"/>
-              <a:t>6/30/2024</a:t>
+              <a:t>7/6/2024</a:t>
             </a:fld>
             <a:endParaRPr lang="en-US"/>
           </a:p>
@@ -1635,7 +1635,7 @@
           <a:p>
             <a:fld id="{A753835E-33D4-45E3-925F-9A4DDE80A361}" type="datetimeFigureOut">
               <a:rPr lang="en-US" smtClean="0"/>
-              <a:t>6/30/2024</a:t>
+              <a:t>7/6/2024</a:t>
             </a:fld>
             <a:endParaRPr lang="en-US"/>
           </a:p>
@@ -1867,7 +1867,7 @@
           <a:p>
             <a:fld id="{A753835E-33D4-45E3-925F-9A4DDE80A361}" type="datetimeFigureOut">
               <a:rPr lang="en-US" smtClean="0"/>
-              <a:t>6/30/2024</a:t>
+              <a:t>7/6/2024</a:t>
             </a:fld>
             <a:endParaRPr lang="en-US"/>
           </a:p>
@@ -2234,7 +2234,7 @@
           <a:p>
             <a:fld id="{A753835E-33D4-45E3-925F-9A4DDE80A361}" type="datetimeFigureOut">
               <a:rPr lang="en-US" smtClean="0"/>
-              <a:t>6/30/2024</a:t>
+              <a:t>7/6/2024</a:t>
             </a:fld>
             <a:endParaRPr lang="en-US"/>
           </a:p>
@@ -2352,7 +2352,7 @@
           <a:p>
             <a:fld id="{A753835E-33D4-45E3-925F-9A4DDE80A361}" type="datetimeFigureOut">
               <a:rPr lang="en-US" smtClean="0"/>
-              <a:t>6/30/2024</a:t>
+              <a:t>7/6/2024</a:t>
             </a:fld>
             <a:endParaRPr lang="en-US"/>
           </a:p>
@@ -2447,7 +2447,7 @@
           <a:p>
             <a:fld id="{A753835E-33D4-45E3-925F-9A4DDE80A361}" type="datetimeFigureOut">
               <a:rPr lang="en-US" smtClean="0"/>
-              <a:t>6/30/2024</a:t>
+              <a:t>7/6/2024</a:t>
             </a:fld>
             <a:endParaRPr lang="en-US"/>
           </a:p>
@@ -2724,7 +2724,7 @@
           <a:p>
             <a:fld id="{A753835E-33D4-45E3-925F-9A4DDE80A361}" type="datetimeFigureOut">
               <a:rPr lang="en-US" smtClean="0"/>
-              <a:t>6/30/2024</a:t>
+              <a:t>7/6/2024</a:t>
             </a:fld>
             <a:endParaRPr lang="en-US"/>
           </a:p>
@@ -2981,7 +2981,7 @@
           <a:p>
             <a:fld id="{A753835E-33D4-45E3-925F-9A4DDE80A361}" type="datetimeFigureOut">
               <a:rPr lang="en-US" smtClean="0"/>
-              <a:t>6/30/2024</a:t>
+              <a:t>7/6/2024</a:t>
             </a:fld>
             <a:endParaRPr lang="en-US"/>
           </a:p>
@@ -3194,7 +3194,7 @@
           <a:p>
             <a:fld id="{A753835E-33D4-45E3-925F-9A4DDE80A361}" type="datetimeFigureOut">
               <a:rPr lang="en-US" smtClean="0"/>
-              <a:t>6/30/2024</a:t>
+              <a:t>7/6/2024</a:t>
             </a:fld>
             <a:endParaRPr lang="en-US"/>
           </a:p>
@@ -3601,10 +3601,10 @@
       </p:grpSpPr>
       <p:pic>
         <p:nvPicPr>
-          <p:cNvPr id="9" name="Picture 8">
+          <p:cNvPr id="20" name="Picture 19">
             <a:extLst>
               <a:ext uri="{FF2B5EF4-FFF2-40B4-BE49-F238E27FC236}">
-                <a16:creationId xmlns:a16="http://schemas.microsoft.com/office/drawing/2014/main" id="{C570BE5A-2B5B-5849-5752-7A298AE0131C}"/>
+                <a16:creationId xmlns:a16="http://schemas.microsoft.com/office/drawing/2014/main" id="{66AB5D8B-89FB-792F-4C37-F5B2A9B909D0}"/>
               </a:ext>
             </a:extLst>
           </p:cNvPr>
@@ -3621,8 +3621,8 @@
         </p:blipFill>
         <p:spPr>
           <a:xfrm>
-            <a:off x="1181099" y="1360488"/>
-            <a:ext cx="14258925" cy="6638925"/>
+            <a:off x="1190626" y="1364348"/>
+            <a:ext cx="14258925" cy="6581775"/>
           </a:xfrm>
           <a:prstGeom prst="rect">
             <a:avLst/>
@@ -3987,7 +3987,7 @@
                 </a:solidFill>
                 <a:latin typeface="Myriad Pro" panose="020B0503030403020204" pitchFamily="34" charset="0"/>
               </a:rPr>
-              <a:t>Navigation buttons: from Model Select to Simulation Results.</a:t>
+              <a:t>Navigation buttons: from 1. Model Select to 4. Simulation Results.</a:t>
             </a:r>
           </a:p>
         </p:txBody>
@@ -4007,7 +4007,7 @@
         <p:spPr>
           <a:xfrm>
             <a:off x="7994391" y="3021884"/>
-            <a:ext cx="3077263" cy="2427446"/>
+            <a:ext cx="3077263" cy="2501586"/>
           </a:xfrm>
           <a:prstGeom prst="roundRect">
             <a:avLst/>
@@ -4529,7 +4529,7 @@
                 </a:solidFill>
                 <a:latin typeface="Myriad Pro" panose="020B0503030403020204" pitchFamily="34" charset="0"/>
               </a:rPr>
-              <a:t>Create blank model. Changes will not be saved unless logged in.</a:t>
+              <a:t>Create a blank model. Model can’t be saved unless user is logged in.</a:t>
             </a:r>
           </a:p>
           <a:p>
@@ -4551,7 +4551,7 @@
                 </a:solidFill>
                 <a:latin typeface="Myriad Pro" panose="020B0503030403020204" pitchFamily="34" charset="0"/>
               </a:rPr>
-              <a:t>Load and modify public models. Changes won’t be saved.</a:t>
+              <a:t>Load public models. Model can’t be saved unless user is logged in.</a:t>
             </a:r>
           </a:p>
           <a:p>
@@ -4573,7 +4573,7 @@
                 </a:solidFill>
                 <a:latin typeface="Myriad Pro" panose="020B0503030403020204" pitchFamily="34" charset="0"/>
               </a:rPr>
-              <a:t>Create and modify your personal models. Changes will be saved every time model is validated.</a:t>
+              <a:t>Load and modify your personal models. Models can be saved into your private repository.</a:t>
             </a:r>
           </a:p>
           <a:p>
@@ -4595,7 +4595,7 @@
                 </a:solidFill>
                 <a:latin typeface="Myriad Pro" panose="020B0503030403020204" pitchFamily="34" charset="0"/>
               </a:rPr>
-              <a:t>Upload a SBML model file. Changes will not be saved unless logged in.</a:t>
+              <a:t>Upload a SBML model file. Model can’t be saved unless user is logged in.</a:t>
             </a:r>
           </a:p>
         </p:txBody>
@@ -4685,10 +4685,10 @@
       </p:grpSpPr>
       <p:pic>
         <p:nvPicPr>
-          <p:cNvPr id="4" name="Picture 3">
+          <p:cNvPr id="6" name="Picture 5">
             <a:extLst>
               <a:ext uri="{FF2B5EF4-FFF2-40B4-BE49-F238E27FC236}">
-                <a16:creationId xmlns:a16="http://schemas.microsoft.com/office/drawing/2014/main" id="{897E8F12-A83A-D2BC-9D89-2D791DECBD8E}"/>
+                <a16:creationId xmlns:a16="http://schemas.microsoft.com/office/drawing/2014/main" id="{32CDAF58-7B2E-481C-EEF6-F740BF412EA9}"/>
               </a:ext>
             </a:extLst>
           </p:cNvPr>
@@ -4705,8 +4705,8 @@
         </p:blipFill>
         <p:spPr>
           <a:xfrm>
-            <a:off x="1190625" y="1360488"/>
-            <a:ext cx="14258925" cy="6638925"/>
+            <a:off x="1190625" y="1401419"/>
+            <a:ext cx="14258925" cy="6581775"/>
           </a:xfrm>
           <a:prstGeom prst="rect">
             <a:avLst/>
@@ -4816,7 +4816,7 @@
         </p:nvSpPr>
         <p:spPr>
           <a:xfrm>
-            <a:off x="13320584" y="7426411"/>
+            <a:off x="13320584" y="7389340"/>
             <a:ext cx="2057131" cy="471724"/>
           </a:xfrm>
           <a:prstGeom prst="roundRect">
@@ -4878,7 +4878,7 @@
         </p:nvSpPr>
         <p:spPr>
           <a:xfrm>
-            <a:off x="10720365" y="7493380"/>
+            <a:off x="10720365" y="7468666"/>
             <a:ext cx="2482004" cy="337785"/>
           </a:xfrm>
           <a:prstGeom prst="rect">
@@ -4986,8 +4986,8 @@
         </p:nvSpPr>
         <p:spPr>
           <a:xfrm>
-            <a:off x="3805881" y="5558641"/>
-            <a:ext cx="7401722" cy="1867770"/>
+            <a:off x="3805881" y="5511114"/>
+            <a:ext cx="7401722" cy="1915297"/>
           </a:xfrm>
           <a:prstGeom prst="roundRect">
             <a:avLst/>
@@ -5167,10 +5167,10 @@
       </p:grpSpPr>
       <p:pic>
         <p:nvPicPr>
-          <p:cNvPr id="7" name="Picture 6">
+          <p:cNvPr id="3" name="Picture 2">
             <a:extLst>
               <a:ext uri="{FF2B5EF4-FFF2-40B4-BE49-F238E27FC236}">
-                <a16:creationId xmlns:a16="http://schemas.microsoft.com/office/drawing/2014/main" id="{61FAFA7F-DFEE-2BBC-1187-236DB323361E}"/>
+                <a16:creationId xmlns:a16="http://schemas.microsoft.com/office/drawing/2014/main" id="{79A1F5A7-DE1F-0D0D-630C-83A62EB54DDC}"/>
               </a:ext>
             </a:extLst>
           </p:cNvPr>
@@ -5187,8 +5187,8 @@
         </p:blipFill>
         <p:spPr>
           <a:xfrm>
-            <a:off x="1190625" y="1360487"/>
-            <a:ext cx="14258925" cy="6638925"/>
+            <a:off x="1190625" y="1389062"/>
+            <a:ext cx="14258925" cy="6581775"/>
           </a:xfrm>
           <a:prstGeom prst="rect">
             <a:avLst/>
@@ -5480,7 +5480,7 @@
         <p:spPr>
           <a:xfrm>
             <a:off x="3763351" y="7439044"/>
-            <a:ext cx="5581145" cy="401240"/>
+            <a:ext cx="3193503" cy="337785"/>
           </a:xfrm>
           <a:prstGeom prst="roundRect">
             <a:avLst/>
@@ -5655,7 +5655,7 @@
                 </a:solidFill>
                 <a:latin typeface="Myriad Pro" panose="020B0503030403020204" pitchFamily="34" charset="0"/>
               </a:rPr>
-              <a:t>Model editor</a:t>
+              <a:t>Model Editor</a:t>
             </a:r>
           </a:p>
         </p:txBody>
@@ -5703,7 +5703,7 @@
                 </a:solidFill>
                 <a:latin typeface="Myriad Pro" panose="020B0503030403020204" pitchFamily="34" charset="0"/>
               </a:rPr>
-              <a:t>Rate editor</a:t>
+              <a:t>Rate Editor</a:t>
             </a:r>
           </a:p>
         </p:txBody>
@@ -5952,7 +5952,7 @@
         </p:nvSpPr>
         <p:spPr>
           <a:xfrm>
-            <a:off x="4624088" y="5012431"/>
+            <a:off x="936056" y="4481599"/>
             <a:ext cx="4007837" cy="583237"/>
           </a:xfrm>
           <a:prstGeom prst="rect">
@@ -6048,7 +6048,7 @@
         </p:nvSpPr>
         <p:spPr>
           <a:xfrm>
-            <a:off x="7200930" y="7461637"/>
+            <a:off x="3778099" y="7053861"/>
             <a:ext cx="5581145" cy="337785"/>
           </a:xfrm>
           <a:prstGeom prst="rect">
@@ -6144,7 +6144,7 @@
         </p:nvSpPr>
         <p:spPr>
           <a:xfrm>
-            <a:off x="6750049" y="5759464"/>
+            <a:off x="3546999" y="5682801"/>
             <a:ext cx="6099175" cy="1323439"/>
           </a:xfrm>
           <a:prstGeom prst="rect">
@@ -6272,7 +6272,7 @@
         </p:nvSpPr>
         <p:spPr>
           <a:xfrm>
-            <a:off x="4048622" y="3530825"/>
+            <a:off x="3946738" y="3582569"/>
             <a:ext cx="1821090" cy="528734"/>
           </a:xfrm>
           <a:prstGeom prst="rect">
@@ -6444,10 +6444,10 @@
       </p:grpSpPr>
       <p:pic>
         <p:nvPicPr>
-          <p:cNvPr id="7" name="Picture 6">
+          <p:cNvPr id="2" name="Picture 1">
             <a:extLst>
               <a:ext uri="{FF2B5EF4-FFF2-40B4-BE49-F238E27FC236}">
-                <a16:creationId xmlns:a16="http://schemas.microsoft.com/office/drawing/2014/main" id="{61FAFA7F-DFEE-2BBC-1187-236DB323361E}"/>
+                <a16:creationId xmlns:a16="http://schemas.microsoft.com/office/drawing/2014/main" id="{6DA4FF19-A052-9058-84C1-89C7D79A0FBB}"/>
               </a:ext>
             </a:extLst>
           </p:cNvPr>
@@ -6464,8 +6464,8 @@
         </p:blipFill>
         <p:spPr>
           <a:xfrm>
-            <a:off x="1190625" y="1360487"/>
-            <a:ext cx="14258925" cy="6638925"/>
+            <a:off x="1190625" y="1376705"/>
+            <a:ext cx="14258925" cy="6581775"/>
           </a:xfrm>
           <a:prstGeom prst="rect">
             <a:avLst/>
@@ -7037,7 +7037,7 @@
                 </a:solidFill>
                 <a:latin typeface="Myriad Pro" panose="020B0503030403020204" pitchFamily="34" charset="0"/>
               </a:rPr>
-              <a:t>5. Select a rate for each reaction and set a value for all the rate’s parameters. Each parameter must have either a numeric value, a reference to a substrate, or a reference to a modifier.</a:t>
+              <a:t>5. Select a rate for each reaction and set a value for all the rate’s parameters. Each parameter must have either a numeric value, a reference to a substrate or a reference to a modifier.</a:t>
             </a:r>
           </a:p>
         </p:txBody>
@@ -7654,10 +7654,10 @@
       </p:grpSpPr>
       <p:pic>
         <p:nvPicPr>
-          <p:cNvPr id="4" name="Picture 3">
+          <p:cNvPr id="3" name="Picture 2">
             <a:extLst>
               <a:ext uri="{FF2B5EF4-FFF2-40B4-BE49-F238E27FC236}">
-                <a16:creationId xmlns:a16="http://schemas.microsoft.com/office/drawing/2014/main" id="{0E87347A-EC73-A515-0F14-ACCEEDF49902}"/>
+                <a16:creationId xmlns:a16="http://schemas.microsoft.com/office/drawing/2014/main" id="{521675B4-2EAF-34C9-670B-C994AF976640}"/>
               </a:ext>
             </a:extLst>
           </p:cNvPr>
@@ -7674,8 +7674,8 @@
         </p:blipFill>
         <p:spPr>
           <a:xfrm>
-            <a:off x="1190625" y="1360487"/>
-            <a:ext cx="14258925" cy="6638925"/>
+            <a:off x="1190625" y="1389062"/>
+            <a:ext cx="14258925" cy="6581775"/>
           </a:xfrm>
           <a:prstGeom prst="rect">
             <a:avLst/>
@@ -7697,7 +7697,7 @@
         </p:nvSpPr>
         <p:spPr>
           <a:xfrm>
-            <a:off x="3784534" y="3329196"/>
+            <a:off x="3784534" y="3390981"/>
             <a:ext cx="2591129" cy="361815"/>
           </a:xfrm>
           <a:prstGeom prst="roundRect">
@@ -7744,8 +7744,8 @@
         </p:nvSpPr>
         <p:spPr>
           <a:xfrm>
-            <a:off x="10264511" y="4596118"/>
-            <a:ext cx="4991653" cy="1837939"/>
+            <a:off x="11215890" y="2506173"/>
+            <a:ext cx="4268769" cy="1619739"/>
           </a:xfrm>
           <a:prstGeom prst="rect">
             <a:avLst/>
@@ -7779,7 +7779,7 @@
                 </a:solidFill>
                 <a:latin typeface="Myriad Pro" panose="020B0503030403020204" pitchFamily="34" charset="0"/>
               </a:rPr>
-              <a:t>Steady State Analysis options</a:t>
+              <a:t>Analysis options</a:t>
             </a:r>
           </a:p>
           <a:p>
@@ -7802,17 +7802,6 @@
                 <a:latin typeface="Myriad Pro" panose="020B0503030403020204" pitchFamily="34" charset="0"/>
               </a:rPr>
               <a:t>"Sensitivities" option analyses how changes in the parameter values affect the values of the time-dependent variables.</a:t>
-            </a:r>
-          </a:p>
-          <a:p>
-            <a:r>
-              <a:rPr lang="en-US" sz="1418" i="1" dirty="0">
-                <a:solidFill>
-                  <a:srgbClr val="C00000"/>
-                </a:solidFill>
-                <a:latin typeface="Myriad Pro" panose="020B0503030403020204" pitchFamily="34" charset="0"/>
-              </a:rPr>
-              <a:t>"Stability analysis" calculates if the steady state (homeostasis) is stable (negative real parts for all eigenvalues) or not (non-negative real part for at least one eigenvalue).</a:t>
             </a:r>
           </a:p>
         </p:txBody>
@@ -7827,8 +7816,8 @@
         </p:nvCxnSpPr>
         <p:spPr>
           <a:xfrm flipV="1">
-            <a:off x="5332237" y="1548752"/>
-            <a:ext cx="0" cy="784228"/>
+            <a:off x="5642000" y="1653906"/>
+            <a:ext cx="474595" cy="739395"/>
           </a:xfrm>
           <a:prstGeom prst="straightConnector1">
             <a:avLst/>
@@ -7864,7 +7853,7 @@
         </p:nvSpPr>
         <p:spPr>
           <a:xfrm>
-            <a:off x="3784535" y="4804592"/>
+            <a:off x="3784535" y="3989040"/>
             <a:ext cx="2591130" cy="361815"/>
           </a:xfrm>
           <a:prstGeom prst="roundRect">
@@ -8135,8 +8124,8 @@
         </p:nvCxnSpPr>
         <p:spPr>
           <a:xfrm flipV="1">
-            <a:off x="4878973" y="2478194"/>
-            <a:ext cx="1623427" cy="328506"/>
+            <a:off x="4930346" y="2465837"/>
+            <a:ext cx="1572054" cy="330433"/>
           </a:xfrm>
           <a:prstGeom prst="straightConnector1">
             <a:avLst/>
@@ -8171,9 +8160,9 @@
           <p:nvPr/>
         </p:nvSpPr>
         <p:spPr>
-          <a:xfrm rot="7854071" flipV="1">
-            <a:off x="11497307" y="3986951"/>
-            <a:ext cx="1393188" cy="115500"/>
+          <a:xfrm rot="9865435" flipH="1" flipV="1">
+            <a:off x="7633941" y="5263376"/>
+            <a:ext cx="4684400" cy="374577"/>
           </a:xfrm>
           <a:custGeom>
             <a:avLst/>
@@ -8484,8 +8473,8 @@
         </p:nvSpPr>
         <p:spPr>
           <a:xfrm>
-            <a:off x="4513635" y="1422234"/>
-            <a:ext cx="4277148" cy="583237"/>
+            <a:off x="6012077" y="1449240"/>
+            <a:ext cx="4879722" cy="583237"/>
           </a:xfrm>
           <a:prstGeom prst="rect">
             <a:avLst/>
@@ -8532,7 +8521,7 @@
         </p:nvSpPr>
         <p:spPr>
           <a:xfrm>
-            <a:off x="5993781" y="2087515"/>
+            <a:off x="5993781" y="2112229"/>
             <a:ext cx="4898018" cy="828688"/>
           </a:xfrm>
           <a:prstGeom prst="rect">
@@ -8572,41 +8561,6 @@
           </a:p>
         </p:txBody>
       </p:sp>
-      <p:pic>
-        <p:nvPicPr>
-          <p:cNvPr id="11" name="Picture 10">
-            <a:extLst>
-              <a:ext uri="{FF2B5EF4-FFF2-40B4-BE49-F238E27FC236}">
-                <a16:creationId xmlns:a16="http://schemas.microsoft.com/office/drawing/2014/main" id="{47583BC6-EA11-6CE7-620B-8A91B4C0D4E4}"/>
-              </a:ext>
-            </a:extLst>
-          </p:cNvPr>
-          <p:cNvPicPr>
-            <a:picLocks noChangeAspect="1"/>
-          </p:cNvPicPr>
-          <p:nvPr/>
-        </p:nvPicPr>
-        <p:blipFill>
-          <a:blip r:embed="rId4"/>
-          <a:stretch>
-            <a:fillRect/>
-          </a:stretch>
-        </p:blipFill>
-        <p:spPr>
-          <a:xfrm>
-            <a:off x="12646026" y="2085494"/>
-            <a:ext cx="2451743" cy="2283711"/>
-          </a:xfrm>
-          <a:prstGeom prst="rect">
-            <a:avLst/>
-          </a:prstGeom>
-          <a:ln>
-            <a:solidFill>
-              <a:srgbClr val="C00000"/>
-            </a:solidFill>
-          </a:ln>
-        </p:spPr>
-      </p:pic>
       <p:cxnSp>
         <p:nvCxnSpPr>
           <p:cNvPr id="14" name="Straight Arrow Connector 13">
@@ -8623,8 +8577,8 @@
         </p:nvCxnSpPr>
         <p:spPr>
           <a:xfrm>
-            <a:off x="5077235" y="5166407"/>
-            <a:ext cx="0" cy="462868"/>
+            <a:off x="5077235" y="4369205"/>
+            <a:ext cx="0" cy="1260070"/>
           </a:xfrm>
           <a:prstGeom prst="straightConnector1">
             <a:avLst/>
@@ -8666,7 +8620,7 @@
         </p:nvSpPr>
         <p:spPr>
           <a:xfrm>
-            <a:off x="1604382" y="5485626"/>
+            <a:off x="1604382" y="5142744"/>
             <a:ext cx="4898018" cy="828688"/>
           </a:xfrm>
           <a:prstGeom prst="rect">
@@ -8747,6 +8701,41 @@
           </a:p>
         </p:txBody>
       </p:sp>
+      <p:pic>
+        <p:nvPicPr>
+          <p:cNvPr id="19" name="Picture 18">
+            <a:extLst>
+              <a:ext uri="{FF2B5EF4-FFF2-40B4-BE49-F238E27FC236}">
+                <a16:creationId xmlns:a16="http://schemas.microsoft.com/office/drawing/2014/main" id="{B1322B04-794C-7E7F-DBB2-17A49DAB445A}"/>
+              </a:ext>
+            </a:extLst>
+          </p:cNvPr>
+          <p:cNvPicPr>
+            <a:picLocks noChangeAspect="1"/>
+          </p:cNvPicPr>
+          <p:nvPr/>
+        </p:nvPicPr>
+        <p:blipFill>
+          <a:blip r:embed="rId4"/>
+          <a:stretch>
+            <a:fillRect/>
+          </a:stretch>
+        </p:blipFill>
+        <p:spPr>
+          <a:xfrm>
+            <a:off x="10610921" y="4138612"/>
+            <a:ext cx="4867275" cy="2981325"/>
+          </a:xfrm>
+          <a:prstGeom prst="rect">
+            <a:avLst/>
+          </a:prstGeom>
+          <a:ln>
+            <a:solidFill>
+              <a:srgbClr val="C00000"/>
+            </a:solidFill>
+          </a:ln>
+        </p:spPr>
+      </p:pic>
     </p:spTree>
     <p:extLst>
       <p:ext uri="{BB962C8B-B14F-4D97-AF65-F5344CB8AC3E}">
@@ -8986,10 +8975,10 @@
       </p:sp>
       <p:pic>
         <p:nvPicPr>
-          <p:cNvPr id="9" name="Picture 8">
+          <p:cNvPr id="5" name="Picture 4">
             <a:extLst>
               <a:ext uri="{FF2B5EF4-FFF2-40B4-BE49-F238E27FC236}">
-                <a16:creationId xmlns:a16="http://schemas.microsoft.com/office/drawing/2014/main" id="{B5F9462F-AAD8-C012-3C96-9EE9CF3DF50F}"/>
+                <a16:creationId xmlns:a16="http://schemas.microsoft.com/office/drawing/2014/main" id="{D6BBACF1-C573-F844-F719-DBD4061D41AB}"/>
               </a:ext>
             </a:extLst>
           </p:cNvPr>
@@ -9006,8 +8995,8 @@
         </p:blipFill>
         <p:spPr>
           <a:xfrm>
-            <a:off x="10534756" y="1444813"/>
-            <a:ext cx="4857750" cy="4114800"/>
+            <a:off x="10654615" y="1444813"/>
+            <a:ext cx="4819650" cy="4552950"/>
           </a:xfrm>
           <a:prstGeom prst="rect">
             <a:avLst/>
@@ -9033,7 +9022,7 @@
         </p:nvSpPr>
         <p:spPr>
           <a:xfrm>
-            <a:off x="10481230" y="5239619"/>
+            <a:off x="10481230" y="5684463"/>
             <a:ext cx="5187005" cy="2274341"/>
           </a:xfrm>
           <a:prstGeom prst="rect">
@@ -9374,7 +9363,7 @@
         </p:blipFill>
         <p:spPr>
           <a:xfrm>
-            <a:off x="1190625" y="1322645"/>
+            <a:off x="1190625" y="1260860"/>
             <a:ext cx="14258925" cy="7381875"/>
           </a:xfrm>
           <a:prstGeom prst="rect">
@@ -9441,7 +9430,7 @@
         </p:nvSpPr>
         <p:spPr>
           <a:xfrm>
-            <a:off x="4421580" y="6813715"/>
+            <a:off x="4421580" y="6665431"/>
             <a:ext cx="6143448" cy="1077218"/>
           </a:xfrm>
           <a:prstGeom prst="rect">
